--- a/demo.pptx
+++ b/demo.pptx
@@ -15603,14 +15603,31 @@
         </p:nvSpPr>
         <p:spPr/>
         <p:txBody>
-          <a:bodyPr/>
+          <a:bodyPr>
+            <a:normAutofit/>
+          </a:bodyPr>
           <a:lstStyle/>
           <a:p>
-            <a:r>
-              <a:rPr lang="en-CA"/>
-              <a:t>54.213.249.127</a:t>
-            </a:r>
-            <a:endParaRPr lang="en-US"/>
+            <a:pPr marL="0" indent="0">
+              <a:buNone/>
+            </a:pPr>
+            <a:r>
+              <a:rPr lang="en-CA" sz="4000" dirty="0">
+                <a:hlinkClick r:id="rId2"/>
+              </a:rPr>
+              <a:t>museum-cms</a:t>
+            </a:r>
+            <a:endParaRPr lang="en-CA" sz="4000" dirty="0"/>
+          </a:p>
+          <a:p>
+            <a:pPr marL="457200" lvl="1" indent="0">
+              <a:buNone/>
+            </a:pPr>
+            <a:r>
+              <a:rPr lang="en-CA" sz="3800" dirty="0"/>
+              <a:t>- 54.213.249.127</a:t>
+            </a:r>
+            <a:endParaRPr lang="en-US" sz="3800" dirty="0"/>
           </a:p>
         </p:txBody>
       </p:sp>
